--- a/static/shapes.pptx
+++ b/static/shapes.pptx
@@ -3111,7 +3111,24 @@
       </p:sp>
       <p:sp>
         <p:nvSpPr>
-          <p:cNvPr id="3" name="Pentagon 2"/>
+          <p:cNvPr id="3" name="Content Placeholder 2"/>
+          <p:cNvSpPr>
+            <a:spLocks noGrp="1"/>
+          </p:cNvSpPr>
+          <p:nvPr>
+            <p:ph idx="1"/>
+          </p:nvPr>
+        </p:nvSpPr>
+        <p:spPr/>
+        <p:txBody>
+          <a:bodyPr/>
+          <a:lstStyle/>
+          <a:p/>
+        </p:txBody>
+      </p:sp>
+      <p:sp>
+        <p:nvSpPr>
+          <p:cNvPr id="4" name="Pentagon 3"/>
           <p:cNvSpPr/>
           <p:nvPr/>
         </p:nvSpPr>
@@ -3150,7 +3167,7 @@
       </p:sp>
       <p:sp>
         <p:nvSpPr>
-          <p:cNvPr id="4" name="Chevron 3"/>
+          <p:cNvPr id="5" name="Chevron 4"/>
           <p:cNvSpPr/>
           <p:nvPr/>
         </p:nvSpPr>
@@ -3189,7 +3206,7 @@
       </p:sp>
       <p:sp>
         <p:nvSpPr>
-          <p:cNvPr id="5" name="Chevron 4"/>
+          <p:cNvPr id="6" name="Chevron 5"/>
           <p:cNvSpPr/>
           <p:nvPr/>
         </p:nvSpPr>
@@ -3228,7 +3245,7 @@
       </p:sp>
       <p:sp>
         <p:nvSpPr>
-          <p:cNvPr id="6" name="Chevron 5"/>
+          <p:cNvPr id="7" name="Chevron 6"/>
           <p:cNvSpPr/>
           <p:nvPr/>
         </p:nvSpPr>
@@ -3267,7 +3284,7 @@
       </p:sp>
       <p:sp>
         <p:nvSpPr>
-          <p:cNvPr id="7" name="Chevron 6"/>
+          <p:cNvPr id="8" name="Chevron 7"/>
           <p:cNvSpPr/>
           <p:nvPr/>
         </p:nvSpPr>
